--- a/CSCE567_Final_Pres.pptx
+++ b/CSCE567_Final_Pres.pptx
@@ -23,11 +23,13 @@
     <p:sldId id="271" r:id="rId17"/>
     <p:sldId id="272" r:id="rId18"/>
     <p:sldId id="277" r:id="rId19"/>
-    <p:sldId id="276" r:id="rId20"/>
-    <p:sldId id="274" r:id="rId21"/>
-    <p:sldId id="273" r:id="rId22"/>
-    <p:sldId id="275" r:id="rId23"/>
-    <p:sldId id="268" r:id="rId24"/>
+    <p:sldId id="279" r:id="rId20"/>
+    <p:sldId id="278" r:id="rId21"/>
+    <p:sldId id="276" r:id="rId22"/>
+    <p:sldId id="274" r:id="rId23"/>
+    <p:sldId id="273" r:id="rId24"/>
+    <p:sldId id="275" r:id="rId25"/>
+    <p:sldId id="268" r:id="rId26"/>
   </p:sldIdLst>
   <p:sldSz cx="9144000" cy="6858000" type="screen4x3"/>
   <p:notesSz cx="6858000" cy="9144000"/>
@@ -9934,6 +9936,28 @@
       </p:grpSpPr>
       <p:sp>
         <p:nvSpPr>
+          <p:cNvPr id="2" name="Title 1"/>
+          <p:cNvSpPr>
+            <a:spLocks noGrp="1"/>
+          </p:cNvSpPr>
+          <p:nvPr>
+            <p:ph type="title"/>
+          </p:nvPr>
+        </p:nvSpPr>
+        <p:spPr/>
+        <p:txBody>
+          <a:bodyPr/>
+          <a:lstStyle/>
+          <a:p>
+            <a:r>
+              <a:rPr lang="en-US" dirty="0"/>
+              <a:t>Data Validation</a:t>
+            </a:r>
+          </a:p>
+        </p:txBody>
+      </p:sp>
+      <p:sp>
+        <p:nvSpPr>
           <p:cNvPr id="3" name="Content Placeholder 2"/>
           <p:cNvSpPr>
             <a:spLocks noGrp="1"/>
@@ -9942,109 +9966,42 @@
             <p:ph idx="1"/>
           </p:nvPr>
         </p:nvSpPr>
-        <p:spPr>
-          <a:xfrm>
-            <a:off x="457200" y="675676"/>
-            <a:ext cx="8229600" cy="4108119"/>
-          </a:xfrm>
-        </p:spPr>
+        <p:spPr/>
         <p:txBody>
           <a:bodyPr/>
           <a:lstStyle/>
           <a:p>
-            <a:pPr marL="0" indent="0" algn="ctr">
-              <a:buNone/>
-            </a:pPr>
-            <a:endParaRPr lang="en-US" sz="4800" dirty="0">
-              <a:ln w="0">
-                <a:solidFill>
-                  <a:sysClr val="windowText" lastClr="000000"/>
-                </a:solidFill>
-              </a:ln>
-              <a:solidFill>
-                <a:sysClr val="windowText" lastClr="000000"/>
-              </a:solidFill>
-              <a:effectLst>
-                <a:outerShdw blurRad="38100" dist="19050" dir="2700000" algn="tl" rotWithShape="0">
-                  <a:schemeClr val="dk1">
-                    <a:alpha val="40000"/>
-                  </a:schemeClr>
-                </a:outerShdw>
-              </a:effectLst>
-            </a:endParaRPr>
-          </a:p>
-          <a:p>
-            <a:pPr marL="0" indent="0" algn="ctr">
-              <a:buNone/>
-            </a:pPr>
-            <a:br>
-              <a:rPr lang="en-US" sz="6000" dirty="0">
-                <a:ln w="0">
-                  <a:solidFill>
-                    <a:sysClr val="windowText" lastClr="000000"/>
-                  </a:solidFill>
-                </a:ln>
-                <a:solidFill>
-                  <a:sysClr val="windowText" lastClr="000000"/>
-                </a:solidFill>
-                <a:effectLst>
-                  <a:outerShdw blurRad="38100" dist="19050" dir="2700000" algn="tl" rotWithShape="0">
-                    <a:schemeClr val="dk1">
-                      <a:alpha val="40000"/>
-                    </a:schemeClr>
-                  </a:outerShdw>
-                </a:effectLst>
-              </a:rPr>
-            </a:br>
-            <a:r>
-              <a:rPr lang="en-US" sz="6000" dirty="0" err="1">
-                <a:ln w="0">
-                  <a:solidFill>
-                    <a:sysClr val="windowText" lastClr="000000"/>
-                  </a:solidFill>
-                </a:ln>
-                <a:solidFill>
-                  <a:sysClr val="windowText" lastClr="000000"/>
-                </a:solidFill>
-                <a:effectLst>
-                  <a:outerShdw blurRad="38100" dist="19050" dir="2700000" algn="tl" rotWithShape="0">
-                    <a:schemeClr val="dk1">
-                      <a:alpha val="40000"/>
-                    </a:schemeClr>
-                  </a:outerShdw>
-                </a:effectLst>
-                <a:hlinkClick r:id="rId2"/>
-              </a:rPr>
-              <a:t>DEMO</a:t>
-            </a:r>
-            <a:r>
-              <a:rPr lang="en-US" sz="6000" dirty="0">
-                <a:ln w="0">
-                  <a:solidFill>
-                    <a:sysClr val="windowText" lastClr="000000"/>
-                  </a:solidFill>
-                </a:ln>
-                <a:solidFill>
-                  <a:sysClr val="windowText" lastClr="000000"/>
-                </a:solidFill>
-                <a:effectLst>
-                  <a:outerShdw blurRad="38100" dist="19050" dir="2700000" algn="tl" rotWithShape="0">
-                    <a:schemeClr val="dk1">
-                      <a:alpha val="40000"/>
-                    </a:schemeClr>
-                  </a:outerShdw>
-                </a:effectLst>
-              </a:rPr>
-              <a:t> </a:t>
-            </a:r>
-            <a:endParaRPr lang="en-US" sz="6000" dirty="0"/>
+            <a:r>
+              <a:rPr lang="en-US" dirty="0"/>
+              <a:t>Used choropleth map to represent data geographically </a:t>
+            </a:r>
+          </a:p>
+          <a:p>
+            <a:pPr lvl="1"/>
+            <a:r>
+              <a:rPr lang="en-US" dirty="0"/>
+              <a:t>Which states were granted more of amount requested</a:t>
+            </a:r>
+          </a:p>
+          <a:p>
+            <a:r>
+              <a:rPr lang="en-US" dirty="0"/>
+              <a:t>Bar graphs to further demonstrate the states variation of debt to income and average interest rate</a:t>
+            </a:r>
+          </a:p>
+          <a:p>
+            <a:endParaRPr lang="en-US" dirty="0"/>
+          </a:p>
+          <a:p>
+            <a:pPr lvl="1"/>
+            <a:endParaRPr lang="en-US" dirty="0"/>
           </a:p>
         </p:txBody>
       </p:sp>
     </p:spTree>
     <p:extLst>
       <p:ext uri="{BB962C8B-B14F-4D97-AF65-F5344CB8AC3E}">
-        <p14:creationId xmlns:p14="http://schemas.microsoft.com/office/powerpoint/2010/main" val="1931533901"/>
+        <p14:creationId xmlns:p14="http://schemas.microsoft.com/office/powerpoint/2010/main" val="1124088828"/>
       </p:ext>
     </p:extLst>
   </p:cSld>
@@ -10081,14 +10038,19 @@
             <p:ph type="title"/>
           </p:nvPr>
         </p:nvSpPr>
-        <p:spPr/>
+        <p:spPr>
+          <a:xfrm>
+            <a:off x="457200" y="309808"/>
+            <a:ext cx="8229600" cy="1143000"/>
+          </a:xfrm>
+        </p:spPr>
         <p:txBody>
           <a:bodyPr/>
           <a:lstStyle/>
           <a:p>
             <a:r>
               <a:rPr lang="en-US" dirty="0"/>
-              <a:t>Conclusions Drawn:</a:t>
+              <a:t>Questions visualization addresses:</a:t>
             </a:r>
           </a:p>
         </p:txBody>
@@ -10110,6 +10072,240 @@
           <a:p>
             <a:r>
               <a:rPr lang="en-US" dirty="0"/>
+              <a:t>How did the recession effect:</a:t>
+            </a:r>
+          </a:p>
+          <a:p>
+            <a:pPr lvl="1"/>
+            <a:r>
+              <a:rPr lang="en-US" dirty="0"/>
+              <a:t>Average Loan funded amount</a:t>
+            </a:r>
+          </a:p>
+          <a:p>
+            <a:pPr lvl="2"/>
+            <a:r>
+              <a:rPr lang="en-US" dirty="0"/>
+              <a:t>Average DTI (debt to income ratio of individual requesting loan)</a:t>
+            </a:r>
+          </a:p>
+          <a:p>
+            <a:pPr lvl="2"/>
+            <a:r>
+              <a:rPr lang="en-US" dirty="0"/>
+              <a:t>Average Interest Rate</a:t>
+            </a:r>
+          </a:p>
+        </p:txBody>
+      </p:sp>
+    </p:spTree>
+    <p:extLst>
+      <p:ext uri="{BB962C8B-B14F-4D97-AF65-F5344CB8AC3E}">
+        <p14:creationId xmlns:p14="http://schemas.microsoft.com/office/powerpoint/2010/main" val="688951468"/>
+      </p:ext>
+    </p:extLst>
+  </p:cSld>
+  <p:clrMapOvr>
+    <a:masterClrMapping/>
+  </p:clrMapOvr>
+</p:sld>
+</file>
+
+<file path=ppt/slides/slide12.xml><?xml version="1.0" encoding="utf-8"?>
+<p:sld xmlns:a="http://schemas.openxmlformats.org/drawingml/2006/main" xmlns:r="http://schemas.openxmlformats.org/officeDocument/2006/relationships" xmlns:p="http://schemas.openxmlformats.org/presentationml/2006/main">
+  <p:cSld>
+    <p:spTree>
+      <p:nvGrpSpPr>
+        <p:cNvPr id="1" name=""/>
+        <p:cNvGrpSpPr/>
+        <p:nvPr/>
+      </p:nvGrpSpPr>
+      <p:grpSpPr>
+        <a:xfrm>
+          <a:off x="0" y="0"/>
+          <a:ext cx="0" cy="0"/>
+          <a:chOff x="0" y="0"/>
+          <a:chExt cx="0" cy="0"/>
+        </a:xfrm>
+      </p:grpSpPr>
+      <p:sp>
+        <p:nvSpPr>
+          <p:cNvPr id="3" name="Content Placeholder 2"/>
+          <p:cNvSpPr>
+            <a:spLocks noGrp="1"/>
+          </p:cNvSpPr>
+          <p:nvPr>
+            <p:ph idx="1"/>
+          </p:nvPr>
+        </p:nvSpPr>
+        <p:spPr>
+          <a:xfrm>
+            <a:off x="457200" y="675676"/>
+            <a:ext cx="8229600" cy="4108119"/>
+          </a:xfrm>
+        </p:spPr>
+        <p:txBody>
+          <a:bodyPr/>
+          <a:lstStyle/>
+          <a:p>
+            <a:pPr marL="0" indent="0" algn="ctr">
+              <a:buNone/>
+            </a:pPr>
+            <a:endParaRPr lang="en-US" sz="4800" dirty="0">
+              <a:ln w="0">
+                <a:solidFill>
+                  <a:sysClr val="windowText" lastClr="000000"/>
+                </a:solidFill>
+              </a:ln>
+              <a:solidFill>
+                <a:sysClr val="windowText" lastClr="000000"/>
+              </a:solidFill>
+              <a:effectLst>
+                <a:outerShdw blurRad="38100" dist="19050" dir="2700000" algn="tl" rotWithShape="0">
+                  <a:schemeClr val="dk1">
+                    <a:alpha val="40000"/>
+                  </a:schemeClr>
+                </a:outerShdw>
+              </a:effectLst>
+            </a:endParaRPr>
+          </a:p>
+          <a:p>
+            <a:pPr marL="0" indent="0" algn="ctr">
+              <a:buNone/>
+            </a:pPr>
+            <a:br>
+              <a:rPr lang="en-US" sz="6000" dirty="0">
+                <a:ln w="0">
+                  <a:solidFill>
+                    <a:sysClr val="windowText" lastClr="000000"/>
+                  </a:solidFill>
+                </a:ln>
+                <a:solidFill>
+                  <a:sysClr val="windowText" lastClr="000000"/>
+                </a:solidFill>
+                <a:effectLst>
+                  <a:outerShdw blurRad="38100" dist="19050" dir="2700000" algn="tl" rotWithShape="0">
+                    <a:schemeClr val="dk1">
+                      <a:alpha val="40000"/>
+                    </a:schemeClr>
+                  </a:outerShdw>
+                </a:effectLst>
+              </a:rPr>
+            </a:br>
+            <a:r>
+              <a:rPr lang="en-US" sz="6000" dirty="0" err="1">
+                <a:ln w="0">
+                  <a:solidFill>
+                    <a:sysClr val="windowText" lastClr="000000"/>
+                  </a:solidFill>
+                </a:ln>
+                <a:solidFill>
+                  <a:sysClr val="windowText" lastClr="000000"/>
+                </a:solidFill>
+                <a:effectLst>
+                  <a:outerShdw blurRad="38100" dist="19050" dir="2700000" algn="tl" rotWithShape="0">
+                    <a:schemeClr val="dk1">
+                      <a:alpha val="40000"/>
+                    </a:schemeClr>
+                  </a:outerShdw>
+                </a:effectLst>
+                <a:hlinkClick r:id="rId2"/>
+              </a:rPr>
+              <a:t>DEMO</a:t>
+            </a:r>
+            <a:r>
+              <a:rPr lang="en-US" sz="6000" dirty="0">
+                <a:ln w="0">
+                  <a:solidFill>
+                    <a:sysClr val="windowText" lastClr="000000"/>
+                  </a:solidFill>
+                </a:ln>
+                <a:solidFill>
+                  <a:sysClr val="windowText" lastClr="000000"/>
+                </a:solidFill>
+                <a:effectLst>
+                  <a:outerShdw blurRad="38100" dist="19050" dir="2700000" algn="tl" rotWithShape="0">
+                    <a:schemeClr val="dk1">
+                      <a:alpha val="40000"/>
+                    </a:schemeClr>
+                  </a:outerShdw>
+                </a:effectLst>
+              </a:rPr>
+              <a:t> </a:t>
+            </a:r>
+            <a:endParaRPr lang="en-US" sz="6000" dirty="0"/>
+          </a:p>
+        </p:txBody>
+      </p:sp>
+    </p:spTree>
+    <p:extLst>
+      <p:ext uri="{BB962C8B-B14F-4D97-AF65-F5344CB8AC3E}">
+        <p14:creationId xmlns:p14="http://schemas.microsoft.com/office/powerpoint/2010/main" val="1931533901"/>
+      </p:ext>
+    </p:extLst>
+  </p:cSld>
+  <p:clrMapOvr>
+    <a:masterClrMapping/>
+  </p:clrMapOvr>
+</p:sld>
+</file>
+
+<file path=ppt/slides/slide13.xml><?xml version="1.0" encoding="utf-8"?>
+<p:sld xmlns:a="http://schemas.openxmlformats.org/drawingml/2006/main" xmlns:r="http://schemas.openxmlformats.org/officeDocument/2006/relationships" xmlns:p="http://schemas.openxmlformats.org/presentationml/2006/main">
+  <p:cSld>
+    <p:spTree>
+      <p:nvGrpSpPr>
+        <p:cNvPr id="1" name=""/>
+        <p:cNvGrpSpPr/>
+        <p:nvPr/>
+      </p:nvGrpSpPr>
+      <p:grpSpPr>
+        <a:xfrm>
+          <a:off x="0" y="0"/>
+          <a:ext cx="0" cy="0"/>
+          <a:chOff x="0" y="0"/>
+          <a:chExt cx="0" cy="0"/>
+        </a:xfrm>
+      </p:grpSpPr>
+      <p:sp>
+        <p:nvSpPr>
+          <p:cNvPr id="2" name="Title 1"/>
+          <p:cNvSpPr>
+            <a:spLocks noGrp="1"/>
+          </p:cNvSpPr>
+          <p:nvPr>
+            <p:ph type="title"/>
+          </p:nvPr>
+        </p:nvSpPr>
+        <p:spPr/>
+        <p:txBody>
+          <a:bodyPr/>
+          <a:lstStyle/>
+          <a:p>
+            <a:r>
+              <a:rPr lang="en-US" dirty="0"/>
+              <a:t>Conclusions Drawn:</a:t>
+            </a:r>
+          </a:p>
+        </p:txBody>
+      </p:sp>
+      <p:sp>
+        <p:nvSpPr>
+          <p:cNvPr id="3" name="Content Placeholder 2"/>
+          <p:cNvSpPr>
+            <a:spLocks noGrp="1"/>
+          </p:cNvSpPr>
+          <p:nvPr>
+            <p:ph idx="1"/>
+          </p:nvPr>
+        </p:nvSpPr>
+        <p:spPr/>
+        <p:txBody>
+          <a:bodyPr/>
+          <a:lstStyle/>
+          <a:p>
+            <a:r>
+              <a:rPr lang="en-US" dirty="0"/>
               <a:t>Average interest rate much higher and more varied during the recession vs after the recession</a:t>
             </a:r>
           </a:p>
@@ -10148,7 +10344,7 @@
 </p:sld>
 </file>
 
-<file path=ppt/slides/slide12.xml><?xml version="1.0" encoding="utf-8"?>
+<file path=ppt/slides/slide14.xml><?xml version="1.0" encoding="utf-8"?>
 <p:sld xmlns:a="http://schemas.openxmlformats.org/drawingml/2006/main" xmlns:r="http://schemas.openxmlformats.org/officeDocument/2006/relationships" xmlns:p="http://schemas.openxmlformats.org/presentationml/2006/main">
   <p:cSld>
     <p:spTree>
@@ -10883,7 +11079,7 @@
           <a:p>
             <a:r>
               <a:rPr lang="en-US" dirty="0"/>
-              <a:t>Data Validation</a:t>
+              <a:t>Problems we faced with data</a:t>
             </a:r>
           </a:p>
         </p:txBody>
@@ -10905,27 +11101,10 @@
           <a:p>
             <a:r>
               <a:rPr lang="en-US" dirty="0"/>
-              <a:t>Used choropleth map to represent data geographically </a:t>
-            </a:r>
-          </a:p>
-          <a:p>
-            <a:pPr lvl="1"/>
-            <a:r>
-              <a:rPr lang="en-US" dirty="0"/>
-              <a:t>Which states were granted more of amount requested</a:t>
-            </a:r>
-          </a:p>
-          <a:p>
-            <a:r>
-              <a:rPr lang="en-US" dirty="0"/>
-              <a:t>Bar graphs to further demonstrate the states variation of debt to income and average interest rate</a:t>
-            </a:r>
-          </a:p>
-          <a:p>
-            <a:endParaRPr lang="en-US" dirty="0"/>
-          </a:p>
-          <a:p>
-            <a:pPr lvl="1"/>
+              <a:t>Not all of these practices are legal in all states. We had trouble with data for North Dakota, Maine, and West Virginia</a:t>
+            </a:r>
+          </a:p>
+          <a:p>
             <a:endParaRPr lang="en-US" dirty="0"/>
           </a:p>
         </p:txBody>
@@ -10933,7 +11112,7 @@
     </p:spTree>
     <p:extLst>
       <p:ext uri="{BB962C8B-B14F-4D97-AF65-F5344CB8AC3E}">
-        <p14:creationId xmlns:p14="http://schemas.microsoft.com/office/powerpoint/2010/main" val="1124088828"/>
+        <p14:creationId xmlns:p14="http://schemas.microsoft.com/office/powerpoint/2010/main" val="3058263718"/>
       </p:ext>
     </p:extLst>
   </p:cSld>
@@ -10970,33 +11149,6 @@
             <p:ph type="title"/>
           </p:nvPr>
         </p:nvSpPr>
-        <p:spPr>
-          <a:xfrm>
-            <a:off x="457200" y="309808"/>
-            <a:ext cx="8229600" cy="1143000"/>
-          </a:xfrm>
-        </p:spPr>
-        <p:txBody>
-          <a:bodyPr/>
-          <a:lstStyle/>
-          <a:p>
-            <a:r>
-              <a:rPr lang="en-US" dirty="0"/>
-              <a:t>Questions visualization addresses:</a:t>
-            </a:r>
-          </a:p>
-        </p:txBody>
-      </p:sp>
-      <p:sp>
-        <p:nvSpPr>
-          <p:cNvPr id="3" name="Content Placeholder 2"/>
-          <p:cNvSpPr>
-            <a:spLocks noGrp="1"/>
-          </p:cNvSpPr>
-          <p:nvPr>
-            <p:ph idx="1"/>
-          </p:nvPr>
-        </p:nvSpPr>
         <p:spPr/>
         <p:txBody>
           <a:bodyPr/>
@@ -11004,36 +11156,62 @@
           <a:p>
             <a:r>
               <a:rPr lang="en-US" dirty="0"/>
-              <a:t>How did the recession effect:</a:t>
-            </a:r>
-          </a:p>
-          <a:p>
-            <a:pPr lvl="1"/>
-            <a:r>
-              <a:rPr lang="en-US" dirty="0"/>
-              <a:t>Average Loan funded amount</a:t>
-            </a:r>
-          </a:p>
-          <a:p>
-            <a:pPr lvl="2"/>
-            <a:r>
-              <a:rPr lang="en-US" dirty="0"/>
-              <a:t>Average DTI (debt to income ratio of individual requesting loan)</a:t>
-            </a:r>
-          </a:p>
-          <a:p>
-            <a:pPr lvl="2"/>
-            <a:r>
-              <a:rPr lang="en-US" dirty="0"/>
-              <a:t>Average Interest Rate</a:t>
+              <a:t>Problems we faced with data</a:t>
             </a:r>
           </a:p>
         </p:txBody>
       </p:sp>
+      <p:pic>
+        <p:nvPicPr>
+          <p:cNvPr id="5" name="Content Placeholder 4"/>
+          <p:cNvPicPr>
+            <a:picLocks noGrp="1" noChangeAspect="1"/>
+          </p:cNvPicPr>
+          <p:nvPr>
+            <p:ph idx="1"/>
+          </p:nvPr>
+        </p:nvPicPr>
+        <p:blipFill>
+          <a:blip r:embed="rId2"/>
+          <a:stretch>
+            <a:fillRect/>
+          </a:stretch>
+        </p:blipFill>
+        <p:spPr>
+          <a:xfrm>
+            <a:off x="180391" y="1293091"/>
+            <a:ext cx="4271536" cy="4184650"/>
+          </a:xfrm>
+        </p:spPr>
+      </p:pic>
+      <p:pic>
+        <p:nvPicPr>
+          <p:cNvPr id="7" name="Picture 6"/>
+          <p:cNvPicPr>
+            <a:picLocks noChangeAspect="1"/>
+          </p:cNvPicPr>
+          <p:nvPr/>
+        </p:nvPicPr>
+        <p:blipFill>
+          <a:blip r:embed="rId3"/>
+          <a:stretch>
+            <a:fillRect/>
+          </a:stretch>
+        </p:blipFill>
+        <p:spPr>
+          <a:xfrm>
+            <a:off x="4567100" y="1417638"/>
+            <a:ext cx="4396509" cy="4263457"/>
+          </a:xfrm>
+          <a:prstGeom prst="rect">
+            <a:avLst/>
+          </a:prstGeom>
+        </p:spPr>
+      </p:pic>
     </p:spTree>
     <p:extLst>
       <p:ext uri="{BB962C8B-B14F-4D97-AF65-F5344CB8AC3E}">
-        <p14:creationId xmlns:p14="http://schemas.microsoft.com/office/powerpoint/2010/main" val="688951468"/>
+        <p14:creationId xmlns:p14="http://schemas.microsoft.com/office/powerpoint/2010/main" val="3821797870"/>
       </p:ext>
     </p:extLst>
   </p:cSld>
